--- a/MIMIC_III_Preprocessing_Explained.pptx
+++ b/MIMIC_III_Preprocessing_Explained.pptx
@@ -5,7 +5,7 @@
     <p:sldMasterId id="2147483648" r:id="rId1"/>
   </p:sldMasterIdLst>
   <p:notesMasterIdLst>
-    <p:notesMasterId r:id="rId44"/>
+    <p:notesMasterId r:id="rId48"/>
   </p:notesMasterIdLst>
   <p:sldIdLst>
     <p:sldId id="256" r:id="rId2"/>
@@ -50,6 +50,10 @@
     <p:sldId id="291" r:id="rId41"/>
     <p:sldId id="292" r:id="rId42"/>
     <p:sldId id="300" r:id="rId43"/>
+    <p:sldId id="314" r:id="rId44"/>
+    <p:sldId id="313" r:id="rId45"/>
+    <p:sldId id="315" r:id="rId46"/>
+    <p:sldId id="316" r:id="rId47"/>
   </p:sldIdLst>
   <p:sldSz cx="12192000" cy="6858000"/>
   <p:notesSz cx="6858000" cy="9144000"/>
@@ -172,6 +176,7 @@
 <p1510:revInfo xmlns:a="http://schemas.openxmlformats.org/drawingml/2006/main" xmlns:r="http://schemas.openxmlformats.org/officeDocument/2006/relationships" xmlns:p1510="http://schemas.microsoft.com/office/powerpoint/2015/10/main">
   <p1510:revLst>
     <p1510:client id="{2A8C2C54-B69D-4FFE-92EC-2E90F497F835}" v="5" dt="2021-05-05T21:39:32.456"/>
+    <p1510:client id="{AD6D732B-ED09-4AA6-804A-9F8B846EA902}" v="9" dt="2021-05-05T22:53:52.711"/>
   </p1510:revLst>
 </p1510:revInfo>
 </file>
@@ -3959,6 +3964,211 @@
             <ac:spMk id="3" creationId="{3D66927E-1076-467A-9ED1-C5A1CD871198}"/>
           </ac:spMkLst>
         </pc:spChg>
+      </pc:sldChg>
+    </pc:docChg>
+  </pc:docChgLst>
+  <pc:docChgLst>
+    <pc:chgData name="Kim, Changsoo" userId="1f5e3c3d-7136-4773-8a8d-da7265f97526" providerId="ADAL" clId="{AD6D732B-ED09-4AA6-804A-9F8B846EA902}"/>
+    <pc:docChg chg="undo custSel addSld modSld">
+      <pc:chgData name="Kim, Changsoo" userId="1f5e3c3d-7136-4773-8a8d-da7265f97526" providerId="ADAL" clId="{AD6D732B-ED09-4AA6-804A-9F8B846EA902}" dt="2021-05-06T00:25:07.540" v="609" actId="20577"/>
+      <pc:docMkLst>
+        <pc:docMk/>
+      </pc:docMkLst>
+      <pc:sldChg chg="addSp delSp modSp new mod setBg modNotesTx">
+        <pc:chgData name="Kim, Changsoo" userId="1f5e3c3d-7136-4773-8a8d-da7265f97526" providerId="ADAL" clId="{AD6D732B-ED09-4AA6-804A-9F8B846EA902}" dt="2021-05-06T00:25:07.540" v="609" actId="20577"/>
+        <pc:sldMkLst>
+          <pc:docMk/>
+          <pc:sldMk cId="2571439136" sldId="313"/>
+        </pc:sldMkLst>
+        <pc:spChg chg="mod">
+          <ac:chgData name="Kim, Changsoo" userId="1f5e3c3d-7136-4773-8a8d-da7265f97526" providerId="ADAL" clId="{AD6D732B-ED09-4AA6-804A-9F8B846EA902}" dt="2021-05-05T22:46:12.665" v="396" actId="20577"/>
+          <ac:spMkLst>
+            <pc:docMk/>
+            <pc:sldMk cId="2571439136" sldId="313"/>
+            <ac:spMk id="2" creationId="{DBE8D376-49EA-4BB4-B79C-F53E042DADF2}"/>
+          </ac:spMkLst>
+        </pc:spChg>
+        <pc:spChg chg="mod">
+          <ac:chgData name="Kim, Changsoo" userId="1f5e3c3d-7136-4773-8a8d-da7265f97526" providerId="ADAL" clId="{AD6D732B-ED09-4AA6-804A-9F8B846EA902}" dt="2021-05-06T00:25:07.540" v="609" actId="20577"/>
+          <ac:spMkLst>
+            <pc:docMk/>
+            <pc:sldMk cId="2571439136" sldId="313"/>
+            <ac:spMk id="3" creationId="{79A06902-2315-4FB8-8062-A91550A24D5A}"/>
+          </ac:spMkLst>
+        </pc:spChg>
+        <pc:spChg chg="add mod">
+          <ac:chgData name="Kim, Changsoo" userId="1f5e3c3d-7136-4773-8a8d-da7265f97526" providerId="ADAL" clId="{AD6D732B-ED09-4AA6-804A-9F8B846EA902}" dt="2021-05-05T22:48:30.387" v="412" actId="1076"/>
+          <ac:spMkLst>
+            <pc:docMk/>
+            <pc:sldMk cId="2571439136" sldId="313"/>
+            <ac:spMk id="8" creationId="{4B50F24D-B0F0-4EA4-B099-90D37225E0B9}"/>
+          </ac:spMkLst>
+        </pc:spChg>
+        <pc:spChg chg="add del mod">
+          <ac:chgData name="Kim, Changsoo" userId="1f5e3c3d-7136-4773-8a8d-da7265f97526" providerId="ADAL" clId="{AD6D732B-ED09-4AA6-804A-9F8B846EA902}" dt="2021-05-05T22:43:03.648" v="257" actId="368"/>
+          <ac:spMkLst>
+            <pc:docMk/>
+            <pc:sldMk cId="2571439136" sldId="313"/>
+            <ac:spMk id="10" creationId="{03AE4CCC-FA72-4CF6-886D-CE80E5453A80}"/>
+          </ac:spMkLst>
+        </pc:spChg>
+        <pc:spChg chg="add del">
+          <ac:chgData name="Kim, Changsoo" userId="1f5e3c3d-7136-4773-8a8d-da7265f97526" providerId="ADAL" clId="{AD6D732B-ED09-4AA6-804A-9F8B846EA902}" dt="2021-05-05T22:23:10.841" v="169" actId="26606"/>
+          <ac:spMkLst>
+            <pc:docMk/>
+            <pc:sldMk cId="2571439136" sldId="313"/>
+            <ac:spMk id="12" creationId="{8761DDFE-071F-4200-B0AA-394476C2D2D6}"/>
+          </ac:spMkLst>
+        </pc:spChg>
+        <pc:graphicFrameChg chg="add del mod modGraphic">
+          <ac:chgData name="Kim, Changsoo" userId="1f5e3c3d-7136-4773-8a8d-da7265f97526" providerId="ADAL" clId="{AD6D732B-ED09-4AA6-804A-9F8B846EA902}" dt="2021-05-05T22:43:30.053" v="289" actId="21"/>
+          <ac:graphicFrameMkLst>
+            <pc:docMk/>
+            <pc:sldMk cId="2571439136" sldId="313"/>
+            <ac:graphicFrameMk id="9" creationId="{2D631708-F68C-4D9E-B178-68B488BFA0F9}"/>
+          </ac:graphicFrameMkLst>
+        </pc:graphicFrameChg>
+        <pc:picChg chg="add del mod">
+          <ac:chgData name="Kim, Changsoo" userId="1f5e3c3d-7136-4773-8a8d-da7265f97526" providerId="ADAL" clId="{AD6D732B-ED09-4AA6-804A-9F8B846EA902}" dt="2021-05-05T22:48:19.944" v="408" actId="478"/>
+          <ac:picMkLst>
+            <pc:docMk/>
+            <pc:sldMk cId="2571439136" sldId="313"/>
+            <ac:picMk id="5" creationId="{4FB02D6F-E1EB-4254-9A46-64AA6C73F15F}"/>
+          </ac:picMkLst>
+        </pc:picChg>
+        <pc:picChg chg="add del mod">
+          <ac:chgData name="Kim, Changsoo" userId="1f5e3c3d-7136-4773-8a8d-da7265f97526" providerId="ADAL" clId="{AD6D732B-ED09-4AA6-804A-9F8B846EA902}" dt="2021-05-05T22:48:03.752" v="402" actId="478"/>
+          <ac:picMkLst>
+            <pc:docMk/>
+            <pc:sldMk cId="2571439136" sldId="313"/>
+            <ac:picMk id="7" creationId="{FD6C0A08-00DE-4895-B9E5-D441B14C4251}"/>
+          </ac:picMkLst>
+        </pc:picChg>
+        <pc:picChg chg="add mod">
+          <ac:chgData name="Kim, Changsoo" userId="1f5e3c3d-7136-4773-8a8d-da7265f97526" providerId="ADAL" clId="{AD6D732B-ED09-4AA6-804A-9F8B846EA902}" dt="2021-05-05T22:48:12.914" v="407" actId="14100"/>
+          <ac:picMkLst>
+            <pc:docMk/>
+            <pc:sldMk cId="2571439136" sldId="313"/>
+            <ac:picMk id="13" creationId="{1DF2E6F1-CE47-4DF2-A5F5-467D3D9B3F1D}"/>
+          </ac:picMkLst>
+        </pc:picChg>
+        <pc:picChg chg="add mod">
+          <ac:chgData name="Kim, Changsoo" userId="1f5e3c3d-7136-4773-8a8d-da7265f97526" providerId="ADAL" clId="{AD6D732B-ED09-4AA6-804A-9F8B846EA902}" dt="2021-05-06T00:16:39.636" v="583" actId="1076"/>
+          <ac:picMkLst>
+            <pc:docMk/>
+            <pc:sldMk cId="2571439136" sldId="313"/>
+            <ac:picMk id="15" creationId="{715A2BB2-A336-461F-809C-1AE94F563C9A}"/>
+          </ac:picMkLst>
+        </pc:picChg>
+      </pc:sldChg>
+      <pc:sldChg chg="delSp modSp add mod">
+        <pc:chgData name="Kim, Changsoo" userId="1f5e3c3d-7136-4773-8a8d-da7265f97526" providerId="ADAL" clId="{AD6D732B-ED09-4AA6-804A-9F8B846EA902}" dt="2021-05-05T22:19:29.879" v="30" actId="478"/>
+        <pc:sldMkLst>
+          <pc:docMk/>
+          <pc:sldMk cId="4059491558" sldId="314"/>
+        </pc:sldMkLst>
+        <pc:spChg chg="mod">
+          <ac:chgData name="Kim, Changsoo" userId="1f5e3c3d-7136-4773-8a8d-da7265f97526" providerId="ADAL" clId="{AD6D732B-ED09-4AA6-804A-9F8B846EA902}" dt="2021-05-05T22:19:26.207" v="29" actId="20577"/>
+          <ac:spMkLst>
+            <pc:docMk/>
+            <pc:sldMk cId="4059491558" sldId="314"/>
+            <ac:spMk id="2" creationId="{D3D3F29A-197F-435D-9F13-80C2CA263645}"/>
+          </ac:spMkLst>
+        </pc:spChg>
+        <pc:spChg chg="del mod">
+          <ac:chgData name="Kim, Changsoo" userId="1f5e3c3d-7136-4773-8a8d-da7265f97526" providerId="ADAL" clId="{AD6D732B-ED09-4AA6-804A-9F8B846EA902}" dt="2021-05-05T22:19:29.879" v="30" actId="478"/>
+          <ac:spMkLst>
+            <pc:docMk/>
+            <pc:sldMk cId="4059491558" sldId="314"/>
+            <ac:spMk id="3" creationId="{57ED01FC-42DC-4762-9BB1-DB6EDC0C4C0E}"/>
+          </ac:spMkLst>
+        </pc:spChg>
+      </pc:sldChg>
+      <pc:sldChg chg="addSp delSp modSp new mod">
+        <pc:chgData name="Kim, Changsoo" userId="1f5e3c3d-7136-4773-8a8d-da7265f97526" providerId="ADAL" clId="{AD6D732B-ED09-4AA6-804A-9F8B846EA902}" dt="2021-05-05T22:52:24.474" v="441" actId="1076"/>
+        <pc:sldMkLst>
+          <pc:docMk/>
+          <pc:sldMk cId="1663686820" sldId="315"/>
+        </pc:sldMkLst>
+        <pc:spChg chg="mod">
+          <ac:chgData name="Kim, Changsoo" userId="1f5e3c3d-7136-4773-8a8d-da7265f97526" providerId="ADAL" clId="{AD6D732B-ED09-4AA6-804A-9F8B846EA902}" dt="2021-05-05T22:46:16.400" v="401" actId="20577"/>
+          <ac:spMkLst>
+            <pc:docMk/>
+            <pc:sldMk cId="1663686820" sldId="315"/>
+            <ac:spMk id="2" creationId="{5674A0CF-1CAA-4A6A-87E3-606B526B68FA}"/>
+          </ac:spMkLst>
+        </pc:spChg>
+        <pc:spChg chg="mod">
+          <ac:chgData name="Kim, Changsoo" userId="1f5e3c3d-7136-4773-8a8d-da7265f97526" providerId="ADAL" clId="{AD6D732B-ED09-4AA6-804A-9F8B846EA902}" dt="2021-05-05T22:52:18.953" v="437" actId="6549"/>
+          <ac:spMkLst>
+            <pc:docMk/>
+            <pc:sldMk cId="1663686820" sldId="315"/>
+            <ac:spMk id="3" creationId="{14251C55-57A8-449E-ADB0-03B0B16EE59C}"/>
+          </ac:spMkLst>
+        </pc:spChg>
+        <pc:graphicFrameChg chg="add del mod modGraphic">
+          <ac:chgData name="Kim, Changsoo" userId="1f5e3c3d-7136-4773-8a8d-da7265f97526" providerId="ADAL" clId="{AD6D732B-ED09-4AA6-804A-9F8B846EA902}" dt="2021-05-05T22:49:37.385" v="422" actId="21"/>
+          <ac:graphicFrameMkLst>
+            <pc:docMk/>
+            <pc:sldMk cId="1663686820" sldId="315"/>
+            <ac:graphicFrameMk id="4" creationId="{04CCB541-9C05-4A7C-A2FC-9813C6BF56D7}"/>
+          </ac:graphicFrameMkLst>
+        </pc:graphicFrameChg>
+        <pc:picChg chg="add mod">
+          <ac:chgData name="Kim, Changsoo" userId="1f5e3c3d-7136-4773-8a8d-da7265f97526" providerId="ADAL" clId="{AD6D732B-ED09-4AA6-804A-9F8B846EA902}" dt="2021-05-05T22:52:24.474" v="441" actId="1076"/>
+          <ac:picMkLst>
+            <pc:docMk/>
+            <pc:sldMk cId="1663686820" sldId="315"/>
+            <ac:picMk id="6" creationId="{64770D3E-03E5-47D5-8725-E6CABED21AF0}"/>
+          </ac:picMkLst>
+        </pc:picChg>
+      </pc:sldChg>
+      <pc:sldChg chg="addSp delSp modSp new mod">
+        <pc:chgData name="Kim, Changsoo" userId="1f5e3c3d-7136-4773-8a8d-da7265f97526" providerId="ADAL" clId="{AD6D732B-ED09-4AA6-804A-9F8B846EA902}" dt="2021-05-05T23:02:54.273" v="567" actId="20577"/>
+        <pc:sldMkLst>
+          <pc:docMk/>
+          <pc:sldMk cId="988753270" sldId="316"/>
+        </pc:sldMkLst>
+        <pc:spChg chg="mod">
+          <ac:chgData name="Kim, Changsoo" userId="1f5e3c3d-7136-4773-8a8d-da7265f97526" providerId="ADAL" clId="{AD6D732B-ED09-4AA6-804A-9F8B846EA902}" dt="2021-05-05T22:49:32.404" v="421"/>
+          <ac:spMkLst>
+            <pc:docMk/>
+            <pc:sldMk cId="988753270" sldId="316"/>
+            <ac:spMk id="2" creationId="{48BF90F5-E2A8-4B78-8AA0-240475CF923C}"/>
+          </ac:spMkLst>
+        </pc:spChg>
+        <pc:spChg chg="del">
+          <ac:chgData name="Kim, Changsoo" userId="1f5e3c3d-7136-4773-8a8d-da7265f97526" providerId="ADAL" clId="{AD6D732B-ED09-4AA6-804A-9F8B846EA902}" dt="2021-05-05T22:53:07.129" v="450" actId="478"/>
+          <ac:spMkLst>
+            <pc:docMk/>
+            <pc:sldMk cId="988753270" sldId="316"/>
+            <ac:spMk id="3" creationId="{7387BE82-4FBA-4F6E-A658-0F5F7047ABA1}"/>
+          </ac:spMkLst>
+        </pc:spChg>
+        <pc:graphicFrameChg chg="add mod modGraphic">
+          <ac:chgData name="Kim, Changsoo" userId="1f5e3c3d-7136-4773-8a8d-da7265f97526" providerId="ADAL" clId="{AD6D732B-ED09-4AA6-804A-9F8B846EA902}" dt="2021-05-05T22:58:37.180" v="497" actId="122"/>
+          <ac:graphicFrameMkLst>
+            <pc:docMk/>
+            <pc:sldMk cId="988753270" sldId="316"/>
+            <ac:graphicFrameMk id="4" creationId="{006B3518-2DD0-4FB0-9659-6A177479B8FB}"/>
+          </ac:graphicFrameMkLst>
+        </pc:graphicFrameChg>
+        <pc:graphicFrameChg chg="add mod modGraphic">
+          <ac:chgData name="Kim, Changsoo" userId="1f5e3c3d-7136-4773-8a8d-da7265f97526" providerId="ADAL" clId="{AD6D732B-ED09-4AA6-804A-9F8B846EA902}" dt="2021-05-05T23:01:42.921" v="552" actId="20577"/>
+          <ac:graphicFrameMkLst>
+            <pc:docMk/>
+            <pc:sldMk cId="988753270" sldId="316"/>
+            <ac:graphicFrameMk id="5" creationId="{899AEB71-8990-4420-AA89-2CCC472994B5}"/>
+          </ac:graphicFrameMkLst>
+        </pc:graphicFrameChg>
+        <pc:graphicFrameChg chg="add mod modGraphic">
+          <ac:chgData name="Kim, Changsoo" userId="1f5e3c3d-7136-4773-8a8d-da7265f97526" providerId="ADAL" clId="{AD6D732B-ED09-4AA6-804A-9F8B846EA902}" dt="2021-05-05T23:02:54.273" v="567" actId="20577"/>
+          <ac:graphicFrameMkLst>
+            <pc:docMk/>
+            <pc:sldMk cId="988753270" sldId="316"/>
+            <ac:graphicFrameMk id="6" creationId="{24BB569D-DD3C-4237-B32D-414A5BCBE0AA}"/>
+          </ac:graphicFrameMkLst>
+        </pc:graphicFrameChg>
       </pc:sldChg>
     </pc:docChg>
   </pc:docChgLst>
@@ -6769,6 +6979,277 @@
     <p:extLst>
       <p:ext uri="{BB962C8B-B14F-4D97-AF65-F5344CB8AC3E}">
         <p14:creationId xmlns:p14="http://schemas.microsoft.com/office/powerpoint/2010/main" val="2392648226"/>
+      </p:ext>
+    </p:extLst>
+  </p:cSld>
+  <p:clrMapOvr>
+    <a:masterClrMapping/>
+  </p:clrMapOvr>
+</p:notes>
+</file>
+
+<file path=ppt/notesSlides/notesSlide21.xml><?xml version="1.0" encoding="utf-8"?>
+<p:notes xmlns:a="http://schemas.openxmlformats.org/drawingml/2006/main" xmlns:r="http://schemas.openxmlformats.org/officeDocument/2006/relationships" xmlns:p="http://schemas.openxmlformats.org/presentationml/2006/main">
+  <p:cSld>
+    <p:spTree>
+      <p:nvGrpSpPr>
+        <p:cNvPr id="1" name=""/>
+        <p:cNvGrpSpPr/>
+        <p:nvPr/>
+      </p:nvGrpSpPr>
+      <p:grpSpPr>
+        <a:xfrm>
+          <a:off x="0" y="0"/>
+          <a:ext cx="0" cy="0"/>
+          <a:chOff x="0" y="0"/>
+          <a:chExt cx="0" cy="0"/>
+        </a:xfrm>
+      </p:grpSpPr>
+      <p:sp>
+        <p:nvSpPr>
+          <p:cNvPr id="2" name="Slide Image Placeholder 1"/>
+          <p:cNvSpPr>
+            <a:spLocks noGrp="1" noRot="1" noChangeAspect="1"/>
+          </p:cNvSpPr>
+          <p:nvPr>
+            <p:ph type="sldImg"/>
+          </p:nvPr>
+        </p:nvSpPr>
+        <p:spPr/>
+      </p:sp>
+      <p:sp>
+        <p:nvSpPr>
+          <p:cNvPr id="3" name="Notes Placeholder 2"/>
+          <p:cNvSpPr>
+            <a:spLocks noGrp="1"/>
+          </p:cNvSpPr>
+          <p:nvPr>
+            <p:ph type="body" idx="1"/>
+          </p:nvPr>
+        </p:nvSpPr>
+        <p:spPr/>
+        <p:txBody>
+          <a:bodyPr/>
+          <a:lstStyle/>
+          <a:p>
+            <a:r>
+              <a:rPr lang="en-SG" dirty="0"/>
+              <a:t>Akhmad Hutomo</a:t>
+            </a:r>
+          </a:p>
+          <a:p>
+            <a:r>
+              <a:rPr lang="en-SG" dirty="0"/>
+              <a:t>University of Illinois at Urbana-Champaign, Urbana, IL, USA</a:t>
+            </a:r>
+          </a:p>
+          <a:p>
+            <a:r>
+              <a:rPr lang="en-SG" dirty="0"/>
+              <a:t>ahutomo2@illinois.edu</a:t>
+            </a:r>
+          </a:p>
+          <a:p>
+            <a:r>
+              <a:rPr lang="en-SG" dirty="0"/>
+              <a:t> </a:t>
+            </a:r>
+          </a:p>
+          <a:p>
+            <a:r>
+              <a:rPr lang="en-SG" dirty="0" err="1"/>
+              <a:t>Changsoo</a:t>
+            </a:r>
+            <a:r>
+              <a:rPr lang="en-SG" dirty="0"/>
+              <a:t> Kim</a:t>
+            </a:r>
+          </a:p>
+          <a:p>
+            <a:r>
+              <a:rPr lang="en-SG" dirty="0"/>
+              <a:t>University of Illinois at Urbana-Champaign, Urbana, IL, USA</a:t>
+            </a:r>
+          </a:p>
+          <a:p>
+            <a:r>
+              <a:rPr lang="en-SG" dirty="0"/>
+              <a:t>ck37@illinois.edu</a:t>
+            </a:r>
+          </a:p>
+          <a:p>
+            <a:r>
+              <a:rPr lang="en-SG" dirty="0"/>
+              <a:t> </a:t>
+            </a:r>
+          </a:p>
+          <a:p>
+            <a:r>
+              <a:rPr lang="en-SG" dirty="0"/>
+              <a:t>Curt </a:t>
+            </a:r>
+            <a:r>
+              <a:rPr lang="en-SG" dirty="0" err="1"/>
+              <a:t>Tigges</a:t>
+            </a:r>
+            <a:endParaRPr lang="en-SG" dirty="0"/>
+          </a:p>
+          <a:p>
+            <a:r>
+              <a:rPr lang="en-SG" dirty="0"/>
+              <a:t>University of Illinois at Urbana-Champaign, Urbana, IL, USA</a:t>
+            </a:r>
+          </a:p>
+          <a:p>
+            <a:r>
+              <a:rPr lang="en-SG" dirty="0"/>
+              <a:t>ctigges2@illinois.edu</a:t>
+            </a:r>
+          </a:p>
+          <a:p>
+            <a:r>
+              <a:rPr lang="en-SG" dirty="0"/>
+              <a:t> </a:t>
+            </a:r>
+          </a:p>
+          <a:p>
+            <a:r>
+              <a:rPr lang="en-SG" dirty="0"/>
+              <a:t>Gabriel Sandoval</a:t>
+            </a:r>
+          </a:p>
+          <a:p>
+            <a:r>
+              <a:rPr lang="en-SG" dirty="0"/>
+              <a:t>University of Illinois at Urbana-Champaign, Urbana, IL, USA</a:t>
+            </a:r>
+          </a:p>
+          <a:p>
+            <a:r>
+              <a:rPr lang="en-SG" dirty="0"/>
+              <a:t>grs4@illinois.edu</a:t>
+            </a:r>
+          </a:p>
+          <a:p>
+            <a:endParaRPr lang="en-SG" dirty="0"/>
+          </a:p>
+        </p:txBody>
+      </p:sp>
+      <p:sp>
+        <p:nvSpPr>
+          <p:cNvPr id="4" name="Slide Number Placeholder 3"/>
+          <p:cNvSpPr>
+            <a:spLocks noGrp="1"/>
+          </p:cNvSpPr>
+          <p:nvPr>
+            <p:ph type="sldNum" sz="quarter" idx="5"/>
+          </p:nvPr>
+        </p:nvSpPr>
+        <p:spPr/>
+        <p:txBody>
+          <a:bodyPr/>
+          <a:lstStyle/>
+          <a:p>
+            <a:fld id="{94EEE9E4-7C6C-4342-A283-1AA2D6A3FDA0}" type="slidenum">
+              <a:rPr lang="ko-KR" altLang="en-US" smtClean="0"/>
+              <a:t>43</a:t>
+            </a:fld>
+            <a:endParaRPr lang="ko-KR" altLang="en-US"/>
+          </a:p>
+        </p:txBody>
+      </p:sp>
+    </p:spTree>
+    <p:extLst>
+      <p:ext uri="{BB962C8B-B14F-4D97-AF65-F5344CB8AC3E}">
+        <p14:creationId xmlns:p14="http://schemas.microsoft.com/office/powerpoint/2010/main" val="680228074"/>
+      </p:ext>
+    </p:extLst>
+  </p:cSld>
+  <p:clrMapOvr>
+    <a:masterClrMapping/>
+  </p:clrMapOvr>
+</p:notes>
+</file>
+
+<file path=ppt/notesSlides/notesSlide22.xml><?xml version="1.0" encoding="utf-8"?>
+<p:notes xmlns:a="http://schemas.openxmlformats.org/drawingml/2006/main" xmlns:r="http://schemas.openxmlformats.org/officeDocument/2006/relationships" xmlns:p="http://schemas.openxmlformats.org/presentationml/2006/main">
+  <p:cSld>
+    <p:spTree>
+      <p:nvGrpSpPr>
+        <p:cNvPr id="1" name=""/>
+        <p:cNvGrpSpPr/>
+        <p:nvPr/>
+      </p:nvGrpSpPr>
+      <p:grpSpPr>
+        <a:xfrm>
+          <a:off x="0" y="0"/>
+          <a:ext cx="0" cy="0"/>
+          <a:chOff x="0" y="0"/>
+          <a:chExt cx="0" cy="0"/>
+        </a:xfrm>
+      </p:grpSpPr>
+      <p:sp>
+        <p:nvSpPr>
+          <p:cNvPr id="2" name="슬라이드 이미지 개체 틀 1"/>
+          <p:cNvSpPr>
+            <a:spLocks noGrp="1" noRot="1" noChangeAspect="1"/>
+          </p:cNvSpPr>
+          <p:nvPr>
+            <p:ph type="sldImg"/>
+          </p:nvPr>
+        </p:nvSpPr>
+        <p:spPr/>
+      </p:sp>
+      <p:sp>
+        <p:nvSpPr>
+          <p:cNvPr id="3" name="슬라이드 노트 개체 틀 2"/>
+          <p:cNvSpPr>
+            <a:spLocks noGrp="1"/>
+          </p:cNvSpPr>
+          <p:nvPr>
+            <p:ph type="body" idx="1"/>
+          </p:nvPr>
+        </p:nvSpPr>
+        <p:spPr/>
+        <p:txBody>
+          <a:bodyPr/>
+          <a:lstStyle/>
+          <a:p>
+            <a:r>
+              <a:rPr lang="en-US" altLang="ko-KR" dirty="0"/>
+              <a:t>for train data</a:t>
+            </a:r>
+            <a:endParaRPr lang="ko-KR" altLang="en-US" dirty="0"/>
+          </a:p>
+        </p:txBody>
+      </p:sp>
+      <p:sp>
+        <p:nvSpPr>
+          <p:cNvPr id="4" name="슬라이드 번호 개체 틀 3"/>
+          <p:cNvSpPr>
+            <a:spLocks noGrp="1"/>
+          </p:cNvSpPr>
+          <p:nvPr>
+            <p:ph type="sldNum" sz="quarter" idx="5"/>
+          </p:nvPr>
+        </p:nvSpPr>
+        <p:spPr/>
+        <p:txBody>
+          <a:bodyPr/>
+          <a:lstStyle/>
+          <a:p>
+            <a:fld id="{94EEE9E4-7C6C-4342-A283-1AA2D6A3FDA0}" type="slidenum">
+              <a:rPr lang="ko-KR" altLang="en-US" smtClean="0"/>
+              <a:t>44</a:t>
+            </a:fld>
+            <a:endParaRPr lang="ko-KR" altLang="en-US"/>
+          </a:p>
+        </p:txBody>
+      </p:sp>
+    </p:spTree>
+    <p:extLst>
+      <p:ext uri="{BB962C8B-B14F-4D97-AF65-F5344CB8AC3E}">
+        <p14:creationId xmlns:p14="http://schemas.microsoft.com/office/powerpoint/2010/main" val="4014768531"/>
       </p:ext>
     </p:extLst>
   </p:cSld>
@@ -23084,6 +23565,1289 @@
 </p:sld>
 </file>
 
+<file path=ppt/slides/slide43.xml><?xml version="1.0" encoding="utf-8"?>
+<p:sld xmlns:a="http://schemas.openxmlformats.org/drawingml/2006/main" xmlns:r="http://schemas.openxmlformats.org/officeDocument/2006/relationships" xmlns:p="http://schemas.openxmlformats.org/presentationml/2006/main">
+  <p:cSld>
+    <p:spTree>
+      <p:nvGrpSpPr>
+        <p:cNvPr id="1" name=""/>
+        <p:cNvGrpSpPr/>
+        <p:nvPr/>
+      </p:nvGrpSpPr>
+      <p:grpSpPr>
+        <a:xfrm>
+          <a:off x="0" y="0"/>
+          <a:ext cx="0" cy="0"/>
+          <a:chOff x="0" y="0"/>
+          <a:chExt cx="0" cy="0"/>
+        </a:xfrm>
+      </p:grpSpPr>
+      <p:sp>
+        <p:nvSpPr>
+          <p:cNvPr id="2" name="제목 1">
+            <a:extLst>
+              <a:ext uri="{FF2B5EF4-FFF2-40B4-BE49-F238E27FC236}">
+                <a16:creationId xmlns:a16="http://schemas.microsoft.com/office/drawing/2014/main" id="{D3D3F29A-197F-435D-9F13-80C2CA263645}"/>
+              </a:ext>
+            </a:extLst>
+          </p:cNvPr>
+          <p:cNvSpPr>
+            <a:spLocks noGrp="1"/>
+          </p:cNvSpPr>
+          <p:nvPr>
+            <p:ph type="ctrTitle"/>
+          </p:nvPr>
+        </p:nvSpPr>
+        <p:spPr/>
+        <p:txBody>
+          <a:bodyPr/>
+          <a:lstStyle/>
+          <a:p>
+            <a:r>
+              <a:rPr lang="en-US" altLang="ko-KR" dirty="0"/>
+              <a:t>Removing</a:t>
+            </a:r>
+            <a:r>
+              <a:rPr lang="ko-KR" altLang="en-US" dirty="0"/>
+              <a:t> </a:t>
+            </a:r>
+            <a:r>
+              <a:rPr lang="en-US" altLang="ko-KR" dirty="0"/>
+              <a:t>stop words</a:t>
+            </a:r>
+            <a:endParaRPr lang="ko-KR" altLang="en-US" dirty="0"/>
+          </a:p>
+        </p:txBody>
+      </p:sp>
+    </p:spTree>
+    <p:extLst>
+      <p:ext uri="{BB962C8B-B14F-4D97-AF65-F5344CB8AC3E}">
+        <p14:creationId xmlns:p14="http://schemas.microsoft.com/office/powerpoint/2010/main" val="4059491558"/>
+      </p:ext>
+    </p:extLst>
+  </p:cSld>
+  <p:clrMapOvr>
+    <a:masterClrMapping/>
+  </p:clrMapOvr>
+</p:sld>
+</file>
+
+<file path=ppt/slides/slide44.xml><?xml version="1.0" encoding="utf-8"?>
+<p:sld xmlns:a="http://schemas.openxmlformats.org/drawingml/2006/main" xmlns:r="http://schemas.openxmlformats.org/officeDocument/2006/relationships" xmlns:p="http://schemas.openxmlformats.org/presentationml/2006/main">
+  <p:cSld>
+    <p:spTree>
+      <p:nvGrpSpPr>
+        <p:cNvPr id="1" name=""/>
+        <p:cNvGrpSpPr/>
+        <p:nvPr/>
+      </p:nvGrpSpPr>
+      <p:grpSpPr>
+        <a:xfrm>
+          <a:off x="0" y="0"/>
+          <a:ext cx="0" cy="0"/>
+          <a:chOff x="0" y="0"/>
+          <a:chExt cx="0" cy="0"/>
+        </a:xfrm>
+      </p:grpSpPr>
+      <p:sp>
+        <p:nvSpPr>
+          <p:cNvPr id="2" name="제목 1">
+            <a:extLst>
+              <a:ext uri="{FF2B5EF4-FFF2-40B4-BE49-F238E27FC236}">
+                <a16:creationId xmlns:a16="http://schemas.microsoft.com/office/drawing/2014/main" id="{DBE8D376-49EA-4BB4-B79C-F53E042DADF2}"/>
+              </a:ext>
+            </a:extLst>
+          </p:cNvPr>
+          <p:cNvSpPr>
+            <a:spLocks noGrp="1"/>
+          </p:cNvSpPr>
+          <p:nvPr>
+            <p:ph type="title"/>
+          </p:nvPr>
+        </p:nvSpPr>
+        <p:spPr/>
+        <p:txBody>
+          <a:bodyPr/>
+          <a:lstStyle/>
+          <a:p>
+            <a:r>
+              <a:rPr lang="en-US" altLang="ko-KR" dirty="0"/>
+              <a:t>BERT's token size limit: 512</a:t>
+            </a:r>
+            <a:endParaRPr lang="ko-KR" altLang="en-US" dirty="0"/>
+          </a:p>
+        </p:txBody>
+      </p:sp>
+      <p:sp>
+        <p:nvSpPr>
+          <p:cNvPr id="3" name="내용 개체 틀 2">
+            <a:extLst>
+              <a:ext uri="{FF2B5EF4-FFF2-40B4-BE49-F238E27FC236}">
+                <a16:creationId xmlns:a16="http://schemas.microsoft.com/office/drawing/2014/main" id="{79A06902-2315-4FB8-8062-A91550A24D5A}"/>
+              </a:ext>
+            </a:extLst>
+          </p:cNvPr>
+          <p:cNvSpPr>
+            <a:spLocks noGrp="1"/>
+          </p:cNvSpPr>
+          <p:nvPr>
+            <p:ph idx="1"/>
+          </p:nvPr>
+        </p:nvSpPr>
+        <p:spPr/>
+        <p:txBody>
+          <a:bodyPr/>
+          <a:lstStyle/>
+          <a:p>
+            <a:r>
+              <a:rPr lang="en-US" altLang="ko-KR" dirty="0"/>
+              <a:t>Our data is too long to fit in the BERT's max </a:t>
+            </a:r>
+            <a:r>
+              <a:rPr lang="en-US" altLang="ko-KR"/>
+              <a:t>token length.</a:t>
+            </a:r>
+            <a:endParaRPr lang="en-US" altLang="ko-KR" dirty="0"/>
+          </a:p>
+          <a:p>
+            <a:r>
+              <a:rPr lang="en-US" altLang="ko-KR" dirty="0"/>
+              <a:t>Average token length: 1530</a:t>
+            </a:r>
+          </a:p>
+          <a:p>
+            <a:r>
+              <a:rPr lang="en-US" altLang="ko-KR" dirty="0"/>
+              <a:t>Average token length after filtering stop words: 1068</a:t>
+            </a:r>
+            <a:endParaRPr lang="ko-KR" altLang="en-US" dirty="0"/>
+          </a:p>
+        </p:txBody>
+      </p:sp>
+      <p:sp>
+        <p:nvSpPr>
+          <p:cNvPr id="8" name="화살표: 오른쪽 7">
+            <a:extLst>
+              <a:ext uri="{FF2B5EF4-FFF2-40B4-BE49-F238E27FC236}">
+                <a16:creationId xmlns:a16="http://schemas.microsoft.com/office/drawing/2014/main" id="{4B50F24D-B0F0-4EA4-B099-90D37225E0B9}"/>
+              </a:ext>
+            </a:extLst>
+          </p:cNvPr>
+          <p:cNvSpPr/>
+          <p:nvPr/>
+        </p:nvSpPr>
+        <p:spPr>
+          <a:xfrm>
+            <a:off x="5483464" y="4829640"/>
+            <a:ext cx="612536" cy="393290"/>
+          </a:xfrm>
+          <a:prstGeom prst="rightArrow">
+            <a:avLst/>
+          </a:prstGeom>
+        </p:spPr>
+        <p:style>
+          <a:lnRef idx="2">
+            <a:schemeClr val="accent1">
+              <a:shade val="50000"/>
+            </a:schemeClr>
+          </a:lnRef>
+          <a:fillRef idx="1">
+            <a:schemeClr val="accent1"/>
+          </a:fillRef>
+          <a:effectRef idx="0">
+            <a:schemeClr val="accent1"/>
+          </a:effectRef>
+          <a:fontRef idx="minor">
+            <a:schemeClr val="lt1"/>
+          </a:fontRef>
+        </p:style>
+        <p:txBody>
+          <a:bodyPr rtlCol="0" anchor="ctr"/>
+          <a:lstStyle/>
+          <a:p>
+            <a:pPr algn="ctr"/>
+            <a:endParaRPr lang="ko-KR" altLang="en-US"/>
+          </a:p>
+        </p:txBody>
+      </p:sp>
+      <p:sp>
+        <p:nvSpPr>
+          <p:cNvPr id="10" name="TextBox 9">
+            <a:extLst>
+              <a:ext uri="{FF2B5EF4-FFF2-40B4-BE49-F238E27FC236}">
+                <a16:creationId xmlns:a16="http://schemas.microsoft.com/office/drawing/2014/main" id="{03AE4CCC-FA72-4CF6-886D-CE80E5453A80}"/>
+              </a:ext>
+            </a:extLst>
+          </p:cNvPr>
+          <p:cNvSpPr txBox="1"/>
+          <p:nvPr/>
+        </p:nvSpPr>
+        <p:spPr>
+          <a:xfrm>
+            <a:off x="4001729" y="1357732"/>
+            <a:ext cx="184731" cy="369332"/>
+          </a:xfrm>
+          <a:prstGeom prst="rect">
+            <a:avLst/>
+          </a:prstGeom>
+          <a:noFill/>
+        </p:spPr>
+        <p:txBody>
+          <a:bodyPr wrap="none" rtlCol="0">
+            <a:spAutoFit/>
+          </a:bodyPr>
+          <a:lstStyle/>
+          <a:p>
+            <a:endParaRPr lang="ko-KR" altLang="en-US" dirty="0"/>
+          </a:p>
+        </p:txBody>
+      </p:sp>
+      <p:pic>
+        <p:nvPicPr>
+          <p:cNvPr id="13" name="그림 12">
+            <a:extLst>
+              <a:ext uri="{FF2B5EF4-FFF2-40B4-BE49-F238E27FC236}">
+                <a16:creationId xmlns:a16="http://schemas.microsoft.com/office/drawing/2014/main" id="{1DF2E6F1-CE47-4DF2-A5F5-467D3D9B3F1D}"/>
+              </a:ext>
+            </a:extLst>
+          </p:cNvPr>
+          <p:cNvPicPr>
+            <a:picLocks noChangeAspect="1"/>
+          </p:cNvPicPr>
+          <p:nvPr/>
+        </p:nvPicPr>
+        <p:blipFill>
+          <a:blip r:embed="rId3"/>
+          <a:stretch>
+            <a:fillRect/>
+          </a:stretch>
+        </p:blipFill>
+        <p:spPr>
+          <a:xfrm>
+            <a:off x="543810" y="3429000"/>
+            <a:ext cx="5111314" cy="3194571"/>
+          </a:xfrm>
+          <a:prstGeom prst="rect">
+            <a:avLst/>
+          </a:prstGeom>
+        </p:spPr>
+      </p:pic>
+      <p:pic>
+        <p:nvPicPr>
+          <p:cNvPr id="15" name="그림 14">
+            <a:extLst>
+              <a:ext uri="{FF2B5EF4-FFF2-40B4-BE49-F238E27FC236}">
+                <a16:creationId xmlns:a16="http://schemas.microsoft.com/office/drawing/2014/main" id="{715A2BB2-A336-461F-809C-1AE94F563C9A}"/>
+              </a:ext>
+            </a:extLst>
+          </p:cNvPr>
+          <p:cNvPicPr>
+            <a:picLocks noChangeAspect="1"/>
+          </p:cNvPicPr>
+          <p:nvPr/>
+        </p:nvPicPr>
+        <p:blipFill>
+          <a:blip r:embed="rId4"/>
+          <a:stretch>
+            <a:fillRect/>
+          </a:stretch>
+        </p:blipFill>
+        <p:spPr>
+          <a:xfrm>
+            <a:off x="6509461" y="3428999"/>
+            <a:ext cx="5111315" cy="3194572"/>
+          </a:xfrm>
+          <a:prstGeom prst="rect">
+            <a:avLst/>
+          </a:prstGeom>
+        </p:spPr>
+      </p:pic>
+    </p:spTree>
+    <p:extLst>
+      <p:ext uri="{BB962C8B-B14F-4D97-AF65-F5344CB8AC3E}">
+        <p14:creationId xmlns:p14="http://schemas.microsoft.com/office/powerpoint/2010/main" val="2571439136"/>
+      </p:ext>
+    </p:extLst>
+  </p:cSld>
+  <p:clrMapOvr>
+    <a:masterClrMapping/>
+  </p:clrMapOvr>
+</p:sld>
+</file>
+
+<file path=ppt/slides/slide45.xml><?xml version="1.0" encoding="utf-8"?>
+<p:sld xmlns:a="http://schemas.openxmlformats.org/drawingml/2006/main" xmlns:r="http://schemas.openxmlformats.org/officeDocument/2006/relationships" xmlns:p="http://schemas.openxmlformats.org/presentationml/2006/main">
+  <p:cSld>
+    <p:spTree>
+      <p:nvGrpSpPr>
+        <p:cNvPr id="1" name=""/>
+        <p:cNvGrpSpPr/>
+        <p:nvPr/>
+      </p:nvGrpSpPr>
+      <p:grpSpPr>
+        <a:xfrm>
+          <a:off x="0" y="0"/>
+          <a:ext cx="0" cy="0"/>
+          <a:chOff x="0" y="0"/>
+          <a:chExt cx="0" cy="0"/>
+        </a:xfrm>
+      </p:grpSpPr>
+      <p:sp>
+        <p:nvSpPr>
+          <p:cNvPr id="2" name="제목 1">
+            <a:extLst>
+              <a:ext uri="{FF2B5EF4-FFF2-40B4-BE49-F238E27FC236}">
+                <a16:creationId xmlns:a16="http://schemas.microsoft.com/office/drawing/2014/main" id="{5674A0CF-1CAA-4A6A-87E3-606B526B68FA}"/>
+              </a:ext>
+            </a:extLst>
+          </p:cNvPr>
+          <p:cNvSpPr>
+            <a:spLocks noGrp="1"/>
+          </p:cNvSpPr>
+          <p:nvPr>
+            <p:ph type="title"/>
+          </p:nvPr>
+        </p:nvSpPr>
+        <p:spPr/>
+        <p:txBody>
+          <a:bodyPr/>
+          <a:lstStyle/>
+          <a:p>
+            <a:r>
+              <a:rPr lang="en-US" altLang="ko-KR" dirty="0"/>
+              <a:t>BERT's token size limit: 512</a:t>
+            </a:r>
+            <a:endParaRPr lang="ko-KR" altLang="en-US" dirty="0"/>
+          </a:p>
+        </p:txBody>
+      </p:sp>
+      <p:sp>
+        <p:nvSpPr>
+          <p:cNvPr id="3" name="내용 개체 틀 2">
+            <a:extLst>
+              <a:ext uri="{FF2B5EF4-FFF2-40B4-BE49-F238E27FC236}">
+                <a16:creationId xmlns:a16="http://schemas.microsoft.com/office/drawing/2014/main" id="{14251C55-57A8-449E-ADB0-03B0B16EE59C}"/>
+              </a:ext>
+            </a:extLst>
+          </p:cNvPr>
+          <p:cNvSpPr>
+            <a:spLocks noGrp="1"/>
+          </p:cNvSpPr>
+          <p:nvPr>
+            <p:ph idx="1"/>
+          </p:nvPr>
+        </p:nvSpPr>
+        <p:spPr/>
+        <p:txBody>
+          <a:bodyPr>
+            <a:normAutofit/>
+          </a:bodyPr>
+          <a:lstStyle/>
+          <a:p>
+            <a:r>
+              <a:rPr lang="en-US" altLang="ko-KR" dirty="0"/>
+              <a:t>Remove stop-words using nltk library</a:t>
+            </a:r>
+          </a:p>
+          <a:p>
+            <a:endParaRPr lang="en-US" altLang="ko-KR" dirty="0"/>
+          </a:p>
+          <a:p>
+            <a:endParaRPr lang="en-US" altLang="ko-KR" dirty="0"/>
+          </a:p>
+          <a:p>
+            <a:endParaRPr lang="en-US" altLang="ko-KR" dirty="0"/>
+          </a:p>
+          <a:p>
+            <a:endParaRPr lang="ko-KR" altLang="en-US" dirty="0"/>
+          </a:p>
+        </p:txBody>
+      </p:sp>
+      <p:pic>
+        <p:nvPicPr>
+          <p:cNvPr id="6" name="그림 5">
+            <a:extLst>
+              <a:ext uri="{FF2B5EF4-FFF2-40B4-BE49-F238E27FC236}">
+                <a16:creationId xmlns:a16="http://schemas.microsoft.com/office/drawing/2014/main" id="{64770D3E-03E5-47D5-8725-E6CABED21AF0}"/>
+              </a:ext>
+            </a:extLst>
+          </p:cNvPr>
+          <p:cNvPicPr>
+            <a:picLocks noChangeAspect="1"/>
+          </p:cNvPicPr>
+          <p:nvPr/>
+        </p:nvPicPr>
+        <p:blipFill>
+          <a:blip r:embed="rId2"/>
+          <a:stretch>
+            <a:fillRect/>
+          </a:stretch>
+        </p:blipFill>
+        <p:spPr>
+          <a:xfrm>
+            <a:off x="2005012" y="2948756"/>
+            <a:ext cx="8181975" cy="2533650"/>
+          </a:xfrm>
+          <a:prstGeom prst="rect">
+            <a:avLst/>
+          </a:prstGeom>
+        </p:spPr>
+      </p:pic>
+    </p:spTree>
+    <p:extLst>
+      <p:ext uri="{BB962C8B-B14F-4D97-AF65-F5344CB8AC3E}">
+        <p14:creationId xmlns:p14="http://schemas.microsoft.com/office/powerpoint/2010/main" val="1663686820"/>
+      </p:ext>
+    </p:extLst>
+  </p:cSld>
+  <p:clrMapOvr>
+    <a:masterClrMapping/>
+  </p:clrMapOvr>
+</p:sld>
+</file>
+
+<file path=ppt/slides/slide46.xml><?xml version="1.0" encoding="utf-8"?>
+<p:sld xmlns:a="http://schemas.openxmlformats.org/drawingml/2006/main" xmlns:r="http://schemas.openxmlformats.org/officeDocument/2006/relationships" xmlns:p="http://schemas.openxmlformats.org/presentationml/2006/main">
+  <p:cSld>
+    <p:spTree>
+      <p:nvGrpSpPr>
+        <p:cNvPr id="1" name=""/>
+        <p:cNvGrpSpPr/>
+        <p:nvPr/>
+      </p:nvGrpSpPr>
+      <p:grpSpPr>
+        <a:xfrm>
+          <a:off x="0" y="0"/>
+          <a:ext cx="0" cy="0"/>
+          <a:chOff x="0" y="0"/>
+          <a:chExt cx="0" cy="0"/>
+        </a:xfrm>
+      </p:grpSpPr>
+      <p:sp>
+        <p:nvSpPr>
+          <p:cNvPr id="2" name="제목 1">
+            <a:extLst>
+              <a:ext uri="{FF2B5EF4-FFF2-40B4-BE49-F238E27FC236}">
+                <a16:creationId xmlns:a16="http://schemas.microsoft.com/office/drawing/2014/main" id="{48BF90F5-E2A8-4B78-8AA0-240475CF923C}"/>
+              </a:ext>
+            </a:extLst>
+          </p:cNvPr>
+          <p:cNvSpPr>
+            <a:spLocks noGrp="1"/>
+          </p:cNvSpPr>
+          <p:nvPr>
+            <p:ph type="title"/>
+          </p:nvPr>
+        </p:nvSpPr>
+        <p:spPr/>
+        <p:txBody>
+          <a:bodyPr/>
+          <a:lstStyle/>
+          <a:p>
+            <a:r>
+              <a:rPr lang="en-US" altLang="ko-KR" dirty="0"/>
+              <a:t>BERT's token size limit: 512</a:t>
+            </a:r>
+            <a:endParaRPr lang="ko-KR" altLang="en-US" dirty="0"/>
+          </a:p>
+        </p:txBody>
+      </p:sp>
+      <p:graphicFrame>
+        <p:nvGraphicFramePr>
+          <p:cNvPr id="4" name="표 9">
+            <a:extLst>
+              <a:ext uri="{FF2B5EF4-FFF2-40B4-BE49-F238E27FC236}">
+                <a16:creationId xmlns:a16="http://schemas.microsoft.com/office/drawing/2014/main" id="{006B3518-2DD0-4FB0-9659-6A177479B8FB}"/>
+              </a:ext>
+            </a:extLst>
+          </p:cNvPr>
+          <p:cNvGraphicFramePr>
+            <a:graphicFrameLocks noGrp="1"/>
+          </p:cNvGraphicFramePr>
+          <p:nvPr>
+            <p:extLst>
+              <p:ext uri="{D42A27DB-BD31-4B8C-83A1-F6EECF244321}">
+                <p14:modId xmlns:p14="http://schemas.microsoft.com/office/powerpoint/2010/main" val="2113624158"/>
+              </p:ext>
+            </p:extLst>
+          </p:nvPr>
+        </p:nvGraphicFramePr>
+        <p:xfrm>
+          <a:off x="2169055" y="1825625"/>
+          <a:ext cx="7853889" cy="1483360"/>
+        </p:xfrm>
+        <a:graphic>
+          <a:graphicData uri="http://schemas.openxmlformats.org/drawingml/2006/table">
+            <a:tbl>
+              <a:tblPr firstRow="1" bandRow="1">
+                <a:tableStyleId>{073A0DAA-6AF3-43AB-8588-CEC1D06C72B9}</a:tableStyleId>
+              </a:tblPr>
+              <a:tblGrid>
+                <a:gridCol w="2617963">
+                  <a:extLst>
+                    <a:ext uri="{9D8B030D-6E8A-4147-A177-3AD203B41FA5}">
+                      <a16:colId xmlns:a16="http://schemas.microsoft.com/office/drawing/2014/main" val="2729675969"/>
+                    </a:ext>
+                  </a:extLst>
+                </a:gridCol>
+                <a:gridCol w="2617963">
+                  <a:extLst>
+                    <a:ext uri="{9D8B030D-6E8A-4147-A177-3AD203B41FA5}">
+                      <a16:colId xmlns:a16="http://schemas.microsoft.com/office/drawing/2014/main" val="2853220810"/>
+                    </a:ext>
+                  </a:extLst>
+                </a:gridCol>
+                <a:gridCol w="2617963">
+                  <a:extLst>
+                    <a:ext uri="{9D8B030D-6E8A-4147-A177-3AD203B41FA5}">
+                      <a16:colId xmlns:a16="http://schemas.microsoft.com/office/drawing/2014/main" val="1519531217"/>
+                    </a:ext>
+                  </a:extLst>
+                </a:gridCol>
+              </a:tblGrid>
+              <a:tr h="370840">
+                <a:tc>
+                  <a:txBody>
+                    <a:bodyPr/>
+                    <a:lstStyle/>
+                    <a:p>
+                      <a:pPr latinLnBrk="1"/>
+                      <a:r>
+                        <a:rPr lang="en-US" altLang="ko-KR" dirty="0"/>
+                        <a:t>Train data</a:t>
+                      </a:r>
+                      <a:endParaRPr lang="ko-KR" altLang="en-US" dirty="0"/>
+                    </a:p>
+                  </a:txBody>
+                  <a:tcPr/>
+                </a:tc>
+                <a:tc>
+                  <a:txBody>
+                    <a:bodyPr/>
+                    <a:lstStyle/>
+                    <a:p>
+                      <a:pPr latinLnBrk="1"/>
+                      <a:r>
+                        <a:rPr lang="en-US" altLang="ko-KR" b="0" dirty="0"/>
+                        <a:t>Train data</a:t>
+                      </a:r>
+                      <a:endParaRPr lang="ko-KR" altLang="en-US" b="0" dirty="0"/>
+                    </a:p>
+                  </a:txBody>
+                  <a:tcPr/>
+                </a:tc>
+                <a:tc>
+                  <a:txBody>
+                    <a:bodyPr/>
+                    <a:lstStyle/>
+                    <a:p>
+                      <a:pPr latinLnBrk="1"/>
+                      <a:r>
+                        <a:rPr lang="en-US" altLang="ko-KR" b="0" dirty="0"/>
+                        <a:t>With stop-words</a:t>
+                      </a:r>
+                      <a:endParaRPr lang="ko-KR" altLang="en-US" b="0" dirty="0"/>
+                    </a:p>
+                  </a:txBody>
+                  <a:tcPr/>
+                </a:tc>
+                <a:extLst>
+                  <a:ext uri="{0D108BD9-81ED-4DB2-BD59-A6C34878D82A}">
+                    <a16:rowId xmlns:a16="http://schemas.microsoft.com/office/drawing/2014/main" val="3564205468"/>
+                  </a:ext>
+                </a:extLst>
+              </a:tr>
+              <a:tr h="370840">
+                <a:tc>
+                  <a:txBody>
+                    <a:bodyPr/>
+                    <a:lstStyle/>
+                    <a:p>
+                      <a:pPr latinLnBrk="1"/>
+                      <a:r>
+                        <a:rPr lang="en-US" altLang="ko-KR" dirty="0"/>
+                        <a:t>Total</a:t>
+                      </a:r>
+                      <a:endParaRPr lang="ko-KR" altLang="en-US" dirty="0"/>
+                    </a:p>
+                  </a:txBody>
+                  <a:tcPr/>
+                </a:tc>
+                <a:tc gridSpan="2">
+                  <a:txBody>
+                    <a:bodyPr/>
+                    <a:lstStyle/>
+                    <a:p>
+                      <a:pPr algn="ctr" latinLnBrk="1"/>
+                      <a:r>
+                        <a:rPr lang="en-US" altLang="ko-KR" dirty="0"/>
+                        <a:t>8066</a:t>
+                      </a:r>
+                      <a:endParaRPr lang="ko-KR" altLang="en-US" dirty="0"/>
+                    </a:p>
+                  </a:txBody>
+                  <a:tcPr/>
+                </a:tc>
+                <a:tc hMerge="1">
+                  <a:txBody>
+                    <a:bodyPr/>
+                    <a:lstStyle/>
+                    <a:p>
+                      <a:pPr latinLnBrk="1"/>
+                      <a:endParaRPr lang="ko-KR" altLang="en-US" dirty="0"/>
+                    </a:p>
+                  </a:txBody>
+                  <a:tcPr/>
+                </a:tc>
+                <a:extLst>
+                  <a:ext uri="{0D108BD9-81ED-4DB2-BD59-A6C34878D82A}">
+                    <a16:rowId xmlns:a16="http://schemas.microsoft.com/office/drawing/2014/main" val="2702376596"/>
+                  </a:ext>
+                </a:extLst>
+              </a:tr>
+              <a:tr h="370840">
+                <a:tc>
+                  <a:txBody>
+                    <a:bodyPr/>
+                    <a:lstStyle/>
+                    <a:p>
+                      <a:pPr latinLnBrk="1"/>
+                      <a:r>
+                        <a:rPr lang="en-US" altLang="ko-KR" dirty="0"/>
+                        <a:t>Avg token length</a:t>
+                      </a:r>
+                      <a:endParaRPr lang="ko-KR" altLang="en-US" dirty="0"/>
+                    </a:p>
+                  </a:txBody>
+                  <a:tcPr/>
+                </a:tc>
+                <a:tc>
+                  <a:txBody>
+                    <a:bodyPr/>
+                    <a:lstStyle/>
+                    <a:p>
+                      <a:pPr latinLnBrk="1"/>
+                      <a:r>
+                        <a:rPr lang="en-US" altLang="ko-KR" dirty="0"/>
+                        <a:t>1530</a:t>
+                      </a:r>
+                      <a:endParaRPr lang="ko-KR" altLang="en-US" dirty="0"/>
+                    </a:p>
+                  </a:txBody>
+                  <a:tcPr/>
+                </a:tc>
+                <a:tc>
+                  <a:txBody>
+                    <a:bodyPr/>
+                    <a:lstStyle/>
+                    <a:p>
+                      <a:pPr latinLnBrk="1"/>
+                      <a:r>
+                        <a:rPr lang="en-US" altLang="ko-KR" dirty="0"/>
+                        <a:t>1068</a:t>
+                      </a:r>
+                      <a:endParaRPr lang="ko-KR" altLang="en-US" dirty="0"/>
+                    </a:p>
+                  </a:txBody>
+                  <a:tcPr/>
+                </a:tc>
+                <a:extLst>
+                  <a:ext uri="{0D108BD9-81ED-4DB2-BD59-A6C34878D82A}">
+                    <a16:rowId xmlns:a16="http://schemas.microsoft.com/office/drawing/2014/main" val="4068256049"/>
+                  </a:ext>
+                </a:extLst>
+              </a:tr>
+              <a:tr h="370840">
+                <a:tc>
+                  <a:txBody>
+                    <a:bodyPr/>
+                    <a:lstStyle/>
+                    <a:p>
+                      <a:pPr latinLnBrk="1"/>
+                      <a:r>
+                        <a:rPr lang="en-US" altLang="ko-KR" dirty="0"/>
+                        <a:t>Over 512 token</a:t>
+                      </a:r>
+                      <a:endParaRPr lang="ko-KR" altLang="en-US" dirty="0"/>
+                    </a:p>
+                  </a:txBody>
+                  <a:tcPr/>
+                </a:tc>
+                <a:tc>
+                  <a:txBody>
+                    <a:bodyPr/>
+                    <a:lstStyle/>
+                    <a:p>
+                      <a:pPr latinLnBrk="1"/>
+                      <a:r>
+                        <a:rPr lang="en-US" altLang="ko-KR" dirty="0"/>
+                        <a:t>7784 (96.50%)</a:t>
+                      </a:r>
+                      <a:endParaRPr lang="ko-KR" altLang="en-US" dirty="0"/>
+                    </a:p>
+                  </a:txBody>
+                  <a:tcPr/>
+                </a:tc>
+                <a:tc>
+                  <a:txBody>
+                    <a:bodyPr/>
+                    <a:lstStyle/>
+                    <a:p>
+                      <a:pPr latinLnBrk="1"/>
+                      <a:r>
+                        <a:rPr lang="en-US" altLang="ko-KR" dirty="0"/>
+                        <a:t>7095 (87.96%)</a:t>
+                      </a:r>
+                      <a:endParaRPr lang="ko-KR" altLang="en-US" dirty="0"/>
+                    </a:p>
+                  </a:txBody>
+                  <a:tcPr/>
+                </a:tc>
+                <a:extLst>
+                  <a:ext uri="{0D108BD9-81ED-4DB2-BD59-A6C34878D82A}">
+                    <a16:rowId xmlns:a16="http://schemas.microsoft.com/office/drawing/2014/main" val="3425016242"/>
+                  </a:ext>
+                </a:extLst>
+              </a:tr>
+            </a:tbl>
+          </a:graphicData>
+        </a:graphic>
+      </p:graphicFrame>
+      <p:graphicFrame>
+        <p:nvGraphicFramePr>
+          <p:cNvPr id="5" name="표 9">
+            <a:extLst>
+              <a:ext uri="{FF2B5EF4-FFF2-40B4-BE49-F238E27FC236}">
+                <a16:creationId xmlns:a16="http://schemas.microsoft.com/office/drawing/2014/main" id="{899AEB71-8990-4420-AA89-2CCC472994B5}"/>
+              </a:ext>
+            </a:extLst>
+          </p:cNvPr>
+          <p:cNvGraphicFramePr>
+            <a:graphicFrameLocks noGrp="1"/>
+          </p:cNvGraphicFramePr>
+          <p:nvPr>
+            <p:extLst>
+              <p:ext uri="{D42A27DB-BD31-4B8C-83A1-F6EECF244321}">
+                <p14:modId xmlns:p14="http://schemas.microsoft.com/office/powerpoint/2010/main" val="2050844951"/>
+              </p:ext>
+            </p:extLst>
+          </p:nvPr>
+        </p:nvGraphicFramePr>
+        <p:xfrm>
+          <a:off x="2169054" y="3443922"/>
+          <a:ext cx="7853889" cy="1483360"/>
+        </p:xfrm>
+        <a:graphic>
+          <a:graphicData uri="http://schemas.openxmlformats.org/drawingml/2006/table">
+            <a:tbl>
+              <a:tblPr firstRow="1" bandRow="1">
+                <a:tableStyleId>{073A0DAA-6AF3-43AB-8588-CEC1D06C72B9}</a:tableStyleId>
+              </a:tblPr>
+              <a:tblGrid>
+                <a:gridCol w="2617963">
+                  <a:extLst>
+                    <a:ext uri="{9D8B030D-6E8A-4147-A177-3AD203B41FA5}">
+                      <a16:colId xmlns:a16="http://schemas.microsoft.com/office/drawing/2014/main" val="2729675969"/>
+                    </a:ext>
+                  </a:extLst>
+                </a:gridCol>
+                <a:gridCol w="2617963">
+                  <a:extLst>
+                    <a:ext uri="{9D8B030D-6E8A-4147-A177-3AD203B41FA5}">
+                      <a16:colId xmlns:a16="http://schemas.microsoft.com/office/drawing/2014/main" val="2853220810"/>
+                    </a:ext>
+                  </a:extLst>
+                </a:gridCol>
+                <a:gridCol w="2617963">
+                  <a:extLst>
+                    <a:ext uri="{9D8B030D-6E8A-4147-A177-3AD203B41FA5}">
+                      <a16:colId xmlns:a16="http://schemas.microsoft.com/office/drawing/2014/main" val="1519531217"/>
+                    </a:ext>
+                  </a:extLst>
+                </a:gridCol>
+              </a:tblGrid>
+              <a:tr h="370840">
+                <a:tc>
+                  <a:txBody>
+                    <a:bodyPr/>
+                    <a:lstStyle/>
+                    <a:p>
+                      <a:pPr latinLnBrk="1"/>
+                      <a:r>
+                        <a:rPr lang="en-US" altLang="ko-KR" dirty="0"/>
+                        <a:t>Dev(eval) data</a:t>
+                      </a:r>
+                      <a:endParaRPr lang="ko-KR" altLang="en-US" dirty="0"/>
+                    </a:p>
+                  </a:txBody>
+                  <a:tcPr/>
+                </a:tc>
+                <a:tc>
+                  <a:txBody>
+                    <a:bodyPr/>
+                    <a:lstStyle/>
+                    <a:p>
+                      <a:pPr latinLnBrk="1"/>
+                      <a:r>
+                        <a:rPr lang="en-US" altLang="ko-KR" b="0" dirty="0"/>
+                        <a:t>With stop-words</a:t>
+                      </a:r>
+                      <a:endParaRPr lang="ko-KR" altLang="en-US" b="0" dirty="0"/>
+                    </a:p>
+                  </a:txBody>
+                  <a:tcPr/>
+                </a:tc>
+                <a:tc>
+                  <a:txBody>
+                    <a:bodyPr/>
+                    <a:lstStyle/>
+                    <a:p>
+                      <a:pPr latinLnBrk="1"/>
+                      <a:r>
+                        <a:rPr lang="en-US" altLang="ko-KR" b="0" dirty="0"/>
+                        <a:t>Without stop-words</a:t>
+                      </a:r>
+                      <a:endParaRPr lang="ko-KR" altLang="en-US" b="0" dirty="0"/>
+                    </a:p>
+                  </a:txBody>
+                  <a:tcPr/>
+                </a:tc>
+                <a:extLst>
+                  <a:ext uri="{0D108BD9-81ED-4DB2-BD59-A6C34878D82A}">
+                    <a16:rowId xmlns:a16="http://schemas.microsoft.com/office/drawing/2014/main" val="3564205468"/>
+                  </a:ext>
+                </a:extLst>
+              </a:tr>
+              <a:tr h="370840">
+                <a:tc>
+                  <a:txBody>
+                    <a:bodyPr/>
+                    <a:lstStyle/>
+                    <a:p>
+                      <a:pPr latinLnBrk="1"/>
+                      <a:r>
+                        <a:rPr lang="en-US" altLang="ko-KR" dirty="0"/>
+                        <a:t>Total</a:t>
+                      </a:r>
+                      <a:endParaRPr lang="ko-KR" altLang="en-US" dirty="0"/>
+                    </a:p>
+                  </a:txBody>
+                  <a:tcPr/>
+                </a:tc>
+                <a:tc gridSpan="2">
+                  <a:txBody>
+                    <a:bodyPr/>
+                    <a:lstStyle/>
+                    <a:p>
+                      <a:pPr algn="ctr" latinLnBrk="1"/>
+                      <a:r>
+                        <a:rPr lang="en-US" altLang="ko-KR" dirty="0"/>
+                        <a:t>1573</a:t>
+                      </a:r>
+                      <a:endParaRPr lang="ko-KR" altLang="en-US" dirty="0"/>
+                    </a:p>
+                  </a:txBody>
+                  <a:tcPr/>
+                </a:tc>
+                <a:tc hMerge="1">
+                  <a:txBody>
+                    <a:bodyPr/>
+                    <a:lstStyle/>
+                    <a:p>
+                      <a:pPr latinLnBrk="1"/>
+                      <a:endParaRPr lang="ko-KR" altLang="en-US" dirty="0"/>
+                    </a:p>
+                  </a:txBody>
+                  <a:tcPr/>
+                </a:tc>
+                <a:extLst>
+                  <a:ext uri="{0D108BD9-81ED-4DB2-BD59-A6C34878D82A}">
+                    <a16:rowId xmlns:a16="http://schemas.microsoft.com/office/drawing/2014/main" val="2702376596"/>
+                  </a:ext>
+                </a:extLst>
+              </a:tr>
+              <a:tr h="370840">
+                <a:tc>
+                  <a:txBody>
+                    <a:bodyPr/>
+                    <a:lstStyle/>
+                    <a:p>
+                      <a:pPr latinLnBrk="1"/>
+                      <a:r>
+                        <a:rPr lang="en-US" altLang="ko-KR" dirty="0"/>
+                        <a:t>Avg token length</a:t>
+                      </a:r>
+                      <a:endParaRPr lang="ko-KR" altLang="en-US" dirty="0"/>
+                    </a:p>
+                  </a:txBody>
+                  <a:tcPr/>
+                </a:tc>
+                <a:tc>
+                  <a:txBody>
+                    <a:bodyPr/>
+                    <a:lstStyle/>
+                    <a:p>
+                      <a:pPr latinLnBrk="1"/>
+                      <a:r>
+                        <a:rPr lang="en-US" altLang="ko-KR" dirty="0"/>
+                        <a:t>1800</a:t>
+                      </a:r>
+                      <a:endParaRPr lang="ko-KR" altLang="en-US" dirty="0"/>
+                    </a:p>
+                  </a:txBody>
+                  <a:tcPr/>
+                </a:tc>
+                <a:tc>
+                  <a:txBody>
+                    <a:bodyPr/>
+                    <a:lstStyle/>
+                    <a:p>
+                      <a:pPr latinLnBrk="1"/>
+                      <a:r>
+                        <a:rPr lang="en-US" altLang="ko-KR" dirty="0"/>
+                        <a:t>1280</a:t>
+                      </a:r>
+                      <a:endParaRPr lang="ko-KR" altLang="en-US" dirty="0"/>
+                    </a:p>
+                  </a:txBody>
+                  <a:tcPr/>
+                </a:tc>
+                <a:extLst>
+                  <a:ext uri="{0D108BD9-81ED-4DB2-BD59-A6C34878D82A}">
+                    <a16:rowId xmlns:a16="http://schemas.microsoft.com/office/drawing/2014/main" val="4068256049"/>
+                  </a:ext>
+                </a:extLst>
+              </a:tr>
+              <a:tr h="370840">
+                <a:tc>
+                  <a:txBody>
+                    <a:bodyPr/>
+                    <a:lstStyle/>
+                    <a:p>
+                      <a:pPr latinLnBrk="1"/>
+                      <a:r>
+                        <a:rPr lang="en-US" altLang="ko-KR" dirty="0"/>
+                        <a:t>Over 512 token</a:t>
+                      </a:r>
+                      <a:endParaRPr lang="ko-KR" altLang="en-US" dirty="0"/>
+                    </a:p>
+                  </a:txBody>
+                  <a:tcPr/>
+                </a:tc>
+                <a:tc>
+                  <a:txBody>
+                    <a:bodyPr/>
+                    <a:lstStyle/>
+                    <a:p>
+                      <a:pPr latinLnBrk="1"/>
+                      <a:r>
+                        <a:rPr lang="en-US" altLang="ko-KR" dirty="0"/>
+                        <a:t>1559 (99.11%)</a:t>
+                      </a:r>
+                      <a:endParaRPr lang="ko-KR" altLang="en-US" dirty="0"/>
+                    </a:p>
+                  </a:txBody>
+                  <a:tcPr/>
+                </a:tc>
+                <a:tc>
+                  <a:txBody>
+                    <a:bodyPr/>
+                    <a:lstStyle/>
+                    <a:p>
+                      <a:pPr latinLnBrk="1"/>
+                      <a:r>
+                        <a:rPr lang="en-US" altLang="ko-KR" dirty="0"/>
+                        <a:t>1533 (97.46%)</a:t>
+                      </a:r>
+                      <a:endParaRPr lang="ko-KR" altLang="en-US" dirty="0"/>
+                    </a:p>
+                  </a:txBody>
+                  <a:tcPr/>
+                </a:tc>
+                <a:extLst>
+                  <a:ext uri="{0D108BD9-81ED-4DB2-BD59-A6C34878D82A}">
+                    <a16:rowId xmlns:a16="http://schemas.microsoft.com/office/drawing/2014/main" val="3425016242"/>
+                  </a:ext>
+                </a:extLst>
+              </a:tr>
+            </a:tbl>
+          </a:graphicData>
+        </a:graphic>
+      </p:graphicFrame>
+      <p:graphicFrame>
+        <p:nvGraphicFramePr>
+          <p:cNvPr id="6" name="표 9">
+            <a:extLst>
+              <a:ext uri="{FF2B5EF4-FFF2-40B4-BE49-F238E27FC236}">
+                <a16:creationId xmlns:a16="http://schemas.microsoft.com/office/drawing/2014/main" id="{24BB569D-DD3C-4237-B32D-414A5BCBE0AA}"/>
+              </a:ext>
+            </a:extLst>
+          </p:cNvPr>
+          <p:cNvGraphicFramePr>
+            <a:graphicFrameLocks noGrp="1"/>
+          </p:cNvGraphicFramePr>
+          <p:nvPr>
+            <p:extLst>
+              <p:ext uri="{D42A27DB-BD31-4B8C-83A1-F6EECF244321}">
+                <p14:modId xmlns:p14="http://schemas.microsoft.com/office/powerpoint/2010/main" val="3502637550"/>
+              </p:ext>
+            </p:extLst>
+          </p:nvPr>
+        </p:nvGraphicFramePr>
+        <p:xfrm>
+          <a:off x="2169054" y="5047297"/>
+          <a:ext cx="7853889" cy="1483360"/>
+        </p:xfrm>
+        <a:graphic>
+          <a:graphicData uri="http://schemas.openxmlformats.org/drawingml/2006/table">
+            <a:tbl>
+              <a:tblPr firstRow="1" bandRow="1">
+                <a:tableStyleId>{073A0DAA-6AF3-43AB-8588-CEC1D06C72B9}</a:tableStyleId>
+              </a:tblPr>
+              <a:tblGrid>
+                <a:gridCol w="2617963">
+                  <a:extLst>
+                    <a:ext uri="{9D8B030D-6E8A-4147-A177-3AD203B41FA5}">
+                      <a16:colId xmlns:a16="http://schemas.microsoft.com/office/drawing/2014/main" val="2729675969"/>
+                    </a:ext>
+                  </a:extLst>
+                </a:gridCol>
+                <a:gridCol w="2617963">
+                  <a:extLst>
+                    <a:ext uri="{9D8B030D-6E8A-4147-A177-3AD203B41FA5}">
+                      <a16:colId xmlns:a16="http://schemas.microsoft.com/office/drawing/2014/main" val="2853220810"/>
+                    </a:ext>
+                  </a:extLst>
+                </a:gridCol>
+                <a:gridCol w="2617963">
+                  <a:extLst>
+                    <a:ext uri="{9D8B030D-6E8A-4147-A177-3AD203B41FA5}">
+                      <a16:colId xmlns:a16="http://schemas.microsoft.com/office/drawing/2014/main" val="1519531217"/>
+                    </a:ext>
+                  </a:extLst>
+                </a:gridCol>
+              </a:tblGrid>
+              <a:tr h="370840">
+                <a:tc>
+                  <a:txBody>
+                    <a:bodyPr/>
+                    <a:lstStyle/>
+                    <a:p>
+                      <a:pPr latinLnBrk="1"/>
+                      <a:r>
+                        <a:rPr lang="en-US" altLang="ko-KR" dirty="0"/>
+                        <a:t>Test data</a:t>
+                      </a:r>
+                      <a:endParaRPr lang="ko-KR" altLang="en-US" dirty="0"/>
+                    </a:p>
+                  </a:txBody>
+                  <a:tcPr/>
+                </a:tc>
+                <a:tc>
+                  <a:txBody>
+                    <a:bodyPr/>
+                    <a:lstStyle/>
+                    <a:p>
+                      <a:pPr latinLnBrk="1"/>
+                      <a:r>
+                        <a:rPr lang="en-US" altLang="ko-KR" b="0" dirty="0"/>
+                        <a:t>With stop-words</a:t>
+                      </a:r>
+                      <a:endParaRPr lang="ko-KR" altLang="en-US" b="0" dirty="0"/>
+                    </a:p>
+                  </a:txBody>
+                  <a:tcPr/>
+                </a:tc>
+                <a:tc>
+                  <a:txBody>
+                    <a:bodyPr/>
+                    <a:lstStyle/>
+                    <a:p>
+                      <a:pPr latinLnBrk="1"/>
+                      <a:r>
+                        <a:rPr lang="en-US" altLang="ko-KR" b="0" dirty="0"/>
+                        <a:t>Without stop-words</a:t>
+                      </a:r>
+                      <a:endParaRPr lang="ko-KR" altLang="en-US" b="0" dirty="0"/>
+                    </a:p>
+                  </a:txBody>
+                  <a:tcPr/>
+                </a:tc>
+                <a:extLst>
+                  <a:ext uri="{0D108BD9-81ED-4DB2-BD59-A6C34878D82A}">
+                    <a16:rowId xmlns:a16="http://schemas.microsoft.com/office/drawing/2014/main" val="3564205468"/>
+                  </a:ext>
+                </a:extLst>
+              </a:tr>
+              <a:tr h="370840">
+                <a:tc>
+                  <a:txBody>
+                    <a:bodyPr/>
+                    <a:lstStyle/>
+                    <a:p>
+                      <a:pPr latinLnBrk="1"/>
+                      <a:r>
+                        <a:rPr lang="en-US" altLang="ko-KR" dirty="0"/>
+                        <a:t>Total</a:t>
+                      </a:r>
+                      <a:endParaRPr lang="ko-KR" altLang="en-US" dirty="0"/>
+                    </a:p>
+                  </a:txBody>
+                  <a:tcPr/>
+                </a:tc>
+                <a:tc gridSpan="2">
+                  <a:txBody>
+                    <a:bodyPr/>
+                    <a:lstStyle/>
+                    <a:p>
+                      <a:pPr algn="ctr" latinLnBrk="1"/>
+                      <a:r>
+                        <a:rPr lang="en-US" altLang="ko-KR" dirty="0"/>
+                        <a:t>1729</a:t>
+                      </a:r>
+                      <a:endParaRPr lang="ko-KR" altLang="en-US" dirty="0"/>
+                    </a:p>
+                  </a:txBody>
+                  <a:tcPr/>
+                </a:tc>
+                <a:tc hMerge="1">
+                  <a:txBody>
+                    <a:bodyPr/>
+                    <a:lstStyle/>
+                    <a:p>
+                      <a:pPr latinLnBrk="1"/>
+                      <a:endParaRPr lang="ko-KR" altLang="en-US" dirty="0"/>
+                    </a:p>
+                  </a:txBody>
+                  <a:tcPr/>
+                </a:tc>
+                <a:extLst>
+                  <a:ext uri="{0D108BD9-81ED-4DB2-BD59-A6C34878D82A}">
+                    <a16:rowId xmlns:a16="http://schemas.microsoft.com/office/drawing/2014/main" val="2702376596"/>
+                  </a:ext>
+                </a:extLst>
+              </a:tr>
+              <a:tr h="370840">
+                <a:tc>
+                  <a:txBody>
+                    <a:bodyPr/>
+                    <a:lstStyle/>
+                    <a:p>
+                      <a:pPr latinLnBrk="1"/>
+                      <a:r>
+                        <a:rPr lang="en-US" altLang="ko-KR" dirty="0"/>
+                        <a:t>Avg token length</a:t>
+                      </a:r>
+                      <a:endParaRPr lang="ko-KR" altLang="en-US" dirty="0"/>
+                    </a:p>
+                  </a:txBody>
+                  <a:tcPr/>
+                </a:tc>
+                <a:tc>
+                  <a:txBody>
+                    <a:bodyPr/>
+                    <a:lstStyle/>
+                    <a:p>
+                      <a:pPr latinLnBrk="1"/>
+                      <a:r>
+                        <a:rPr lang="en-US" altLang="ko-KR" dirty="0"/>
+                        <a:t>1826</a:t>
+                      </a:r>
+                      <a:endParaRPr lang="ko-KR" altLang="en-US" dirty="0"/>
+                    </a:p>
+                  </a:txBody>
+                  <a:tcPr/>
+                </a:tc>
+                <a:tc>
+                  <a:txBody>
+                    <a:bodyPr/>
+                    <a:lstStyle/>
+                    <a:p>
+                      <a:pPr latinLnBrk="1"/>
+                      <a:r>
+                        <a:rPr lang="en-US" altLang="ko-KR" dirty="0"/>
+                        <a:t>1300</a:t>
+                      </a:r>
+                      <a:endParaRPr lang="ko-KR" altLang="en-US" dirty="0"/>
+                    </a:p>
+                  </a:txBody>
+                  <a:tcPr/>
+                </a:tc>
+                <a:extLst>
+                  <a:ext uri="{0D108BD9-81ED-4DB2-BD59-A6C34878D82A}">
+                    <a16:rowId xmlns:a16="http://schemas.microsoft.com/office/drawing/2014/main" val="4068256049"/>
+                  </a:ext>
+                </a:extLst>
+              </a:tr>
+              <a:tr h="370840">
+                <a:tc>
+                  <a:txBody>
+                    <a:bodyPr/>
+                    <a:lstStyle/>
+                    <a:p>
+                      <a:pPr latinLnBrk="1"/>
+                      <a:r>
+                        <a:rPr lang="en-US" altLang="ko-KR" dirty="0"/>
+                        <a:t>Over 512 token</a:t>
+                      </a:r>
+                      <a:endParaRPr lang="ko-KR" altLang="en-US" dirty="0"/>
+                    </a:p>
+                  </a:txBody>
+                  <a:tcPr/>
+                </a:tc>
+                <a:tc>
+                  <a:txBody>
+                    <a:bodyPr/>
+                    <a:lstStyle/>
+                    <a:p>
+                      <a:pPr latinLnBrk="1"/>
+                      <a:r>
+                        <a:rPr lang="en-US" altLang="ko-KR" dirty="0"/>
+                        <a:t>1713 (99.01%)</a:t>
+                      </a:r>
+                      <a:endParaRPr lang="ko-KR" altLang="en-US" dirty="0"/>
+                    </a:p>
+                  </a:txBody>
+                  <a:tcPr/>
+                </a:tc>
+                <a:tc>
+                  <a:txBody>
+                    <a:bodyPr/>
+                    <a:lstStyle/>
+                    <a:p>
+                      <a:pPr latinLnBrk="1"/>
+                      <a:r>
+                        <a:rPr lang="en-US" altLang="ko-KR" dirty="0"/>
+                        <a:t>1678 (97.05%)</a:t>
+                      </a:r>
+                      <a:endParaRPr lang="ko-KR" altLang="en-US" dirty="0"/>
+                    </a:p>
+                  </a:txBody>
+                  <a:tcPr/>
+                </a:tc>
+                <a:extLst>
+                  <a:ext uri="{0D108BD9-81ED-4DB2-BD59-A6C34878D82A}">
+                    <a16:rowId xmlns:a16="http://schemas.microsoft.com/office/drawing/2014/main" val="3425016242"/>
+                  </a:ext>
+                </a:extLst>
+              </a:tr>
+            </a:tbl>
+          </a:graphicData>
+        </a:graphic>
+      </p:graphicFrame>
+    </p:spTree>
+    <p:extLst>
+      <p:ext uri="{BB962C8B-B14F-4D97-AF65-F5344CB8AC3E}">
+        <p14:creationId xmlns:p14="http://schemas.microsoft.com/office/powerpoint/2010/main" val="988753270"/>
+      </p:ext>
+    </p:extLst>
+  </p:cSld>
+  <p:clrMapOvr>
+    <a:masterClrMapping/>
+  </p:clrMapOvr>
+</p:sld>
+</file>
+
 <file path=ppt/slides/slide5.xml><?xml version="1.0" encoding="utf-8"?>
 <p:sld xmlns:a="http://schemas.openxmlformats.org/drawingml/2006/main" xmlns:r="http://schemas.openxmlformats.org/officeDocument/2006/relationships" xmlns:p="http://schemas.openxmlformats.org/presentationml/2006/main">
   <p:cSld>
